--- a/Windows/VirtualDrive/VirtualDrive/RemoteStorage/Introduction.pptx
+++ b/Windows/VirtualDrive/VirtualDrive/RemoteStorage/Introduction.pptx
@@ -104,11 +104,6 @@
       </a:defRPr>
     </a:lvl9pPr>
   </p:defaultTextStyle>
-  <p:extLst>
-    <p:ext uri="{EFAFB233-063F-42B5-8137-9DF3F51BA10A}">
-      <p15:sldGuideLst xmlns:p15="http://schemas.microsoft.com/office/powerpoint/2012/main"/>
-    </p:ext>
-  </p:extLst>
 </p:presentation>
 </file>
 
@@ -259,7 +254,7 @@
           <a:p>
             <a:fld id="{16D7AD24-3870-4593-B131-E762123EDEA6}" type="datetimeFigureOut">
               <a:rPr lang="en-US" smtClean="0"/>
-              <a:t>4/26/2021</a:t>
+              <a:t>9/10/2020</a:t>
             </a:fld>
             <a:endParaRPr lang="en-US"/>
           </a:p>
@@ -457,7 +452,7 @@
           <a:p>
             <a:fld id="{16D7AD24-3870-4593-B131-E762123EDEA6}" type="datetimeFigureOut">
               <a:rPr lang="en-US" smtClean="0"/>
-              <a:t>4/26/2021</a:t>
+              <a:t>9/10/2020</a:t>
             </a:fld>
             <a:endParaRPr lang="en-US"/>
           </a:p>
@@ -665,7 +660,7 @@
           <a:p>
             <a:fld id="{16D7AD24-3870-4593-B131-E762123EDEA6}" type="datetimeFigureOut">
               <a:rPr lang="en-US" smtClean="0"/>
-              <a:t>4/26/2021</a:t>
+              <a:t>9/10/2020</a:t>
             </a:fld>
             <a:endParaRPr lang="en-US"/>
           </a:p>
@@ -863,7 +858,7 @@
           <a:p>
             <a:fld id="{16D7AD24-3870-4593-B131-E762123EDEA6}" type="datetimeFigureOut">
               <a:rPr lang="en-US" smtClean="0"/>
-              <a:t>4/26/2021</a:t>
+              <a:t>9/10/2020</a:t>
             </a:fld>
             <a:endParaRPr lang="en-US"/>
           </a:p>
@@ -1138,7 +1133,7 @@
           <a:p>
             <a:fld id="{16D7AD24-3870-4593-B131-E762123EDEA6}" type="datetimeFigureOut">
               <a:rPr lang="en-US" smtClean="0"/>
-              <a:t>4/26/2021</a:t>
+              <a:t>9/10/2020</a:t>
             </a:fld>
             <a:endParaRPr lang="en-US"/>
           </a:p>
@@ -1403,7 +1398,7 @@
           <a:p>
             <a:fld id="{16D7AD24-3870-4593-B131-E762123EDEA6}" type="datetimeFigureOut">
               <a:rPr lang="en-US" smtClean="0"/>
-              <a:t>4/26/2021</a:t>
+              <a:t>9/10/2020</a:t>
             </a:fld>
             <a:endParaRPr lang="en-US"/>
           </a:p>
@@ -1815,7 +1810,7 @@
           <a:p>
             <a:fld id="{16D7AD24-3870-4593-B131-E762123EDEA6}" type="datetimeFigureOut">
               <a:rPr lang="en-US" smtClean="0"/>
-              <a:t>4/26/2021</a:t>
+              <a:t>9/10/2020</a:t>
             </a:fld>
             <a:endParaRPr lang="en-US"/>
           </a:p>
@@ -1956,7 +1951,7 @@
           <a:p>
             <a:fld id="{16D7AD24-3870-4593-B131-E762123EDEA6}" type="datetimeFigureOut">
               <a:rPr lang="en-US" smtClean="0"/>
-              <a:t>4/26/2021</a:t>
+              <a:t>9/10/2020</a:t>
             </a:fld>
             <a:endParaRPr lang="en-US"/>
           </a:p>
@@ -2069,7 +2064,7 @@
           <a:p>
             <a:fld id="{16D7AD24-3870-4593-B131-E762123EDEA6}" type="datetimeFigureOut">
               <a:rPr lang="en-US" smtClean="0"/>
-              <a:t>4/26/2021</a:t>
+              <a:t>9/10/2020</a:t>
             </a:fld>
             <a:endParaRPr lang="en-US"/>
           </a:p>
@@ -2380,7 +2375,7 @@
           <a:p>
             <a:fld id="{16D7AD24-3870-4593-B131-E762123EDEA6}" type="datetimeFigureOut">
               <a:rPr lang="en-US" smtClean="0"/>
-              <a:t>4/26/2021</a:t>
+              <a:t>9/10/2020</a:t>
             </a:fld>
             <a:endParaRPr lang="en-US"/>
           </a:p>
@@ -2668,7 +2663,7 @@
           <a:p>
             <a:fld id="{16D7AD24-3870-4593-B131-E762123EDEA6}" type="datetimeFigureOut">
               <a:rPr lang="en-US" smtClean="0"/>
-              <a:t>4/26/2021</a:t>
+              <a:t>9/10/2020</a:t>
             </a:fld>
             <a:endParaRPr lang="en-US"/>
           </a:p>
@@ -2909,7 +2904,7 @@
           <a:p>
             <a:fld id="{16D7AD24-3870-4593-B131-E762123EDEA6}" type="datetimeFigureOut">
               <a:rPr lang="en-US" smtClean="0"/>
-              <a:t>4/26/2021</a:t>
+              <a:t>9/10/2020</a:t>
             </a:fld>
             <a:endParaRPr lang="en-US"/>
           </a:p>
@@ -3347,11 +3342,7 @@
           <a:bodyPr/>
           <a:lstStyle/>
           <a:p>
-            <a:r>
-              <a:rPr lang="en-US" dirty="0" err="1"/>
-              <a:t>adasdasdasd</a:t>
-            </a:r>
-            <a:endParaRPr lang="en-US" dirty="0"/>
+            <a:endParaRPr lang="en-US"/>
           </a:p>
         </p:txBody>
       </p:sp>
@@ -3376,10 +3367,7 @@
           <a:bodyPr/>
           <a:lstStyle/>
           <a:p>
-            <a:r>
-              <a:rPr lang="en-US"/>
-              <a:t>sdfsdfsdf</a:t>
-            </a:r>
+            <a:endParaRPr lang="en-US"/>
           </a:p>
         </p:txBody>
       </p:sp>
